--- a/Sistemas de gestión empresarial/PresentaciónERP.pptx
+++ b/Sistemas de gestión empresarial/PresentaciónERP.pptx
@@ -5,10 +5,14 @@
     <p:sldMasterId id="2147483648" r:id="rId1"/>
   </p:sldMasterIdLst>
   <p:notesMasterIdLst>
-    <p:notesMasterId r:id="rId3"/>
+    <p:notesMasterId r:id="rId7"/>
   </p:notesMasterIdLst>
   <p:sldIdLst>
     <p:sldId id="256" r:id="rId2"/>
+    <p:sldId id="257" r:id="rId3"/>
+    <p:sldId id="258" r:id="rId4"/>
+    <p:sldId id="259" r:id="rId5"/>
+    <p:sldId id="260" r:id="rId6"/>
   </p:sldIdLst>
   <p:sldSz cx="12192000" cy="6858000"/>
   <p:notesSz cx="6858000" cy="9144000"/>
@@ -107,6 +111,11 @@
       </a:defRPr>
     </a:lvl9pPr>
   </p:defaultTextStyle>
+  <p:extLst>
+    <p:ext uri="{EFAFB233-063F-42B5-8137-9DF3F51BA10A}">
+      <p15:sldGuideLst xmlns:p15="http://schemas.microsoft.com/office/powerpoint/2012/main"/>
+    </p:ext>
+  </p:extLst>
 </p:presentation>
 </file>
 
@@ -192,7 +201,7 @@
           <a:p>
             <a:fld id="{7F377E2B-1662-441F-AA3E-72AE8CA4C05F}" type="datetimeFigureOut">
               <a:rPr lang="es-ES" smtClean="0"/>
-              <a:t>02/10/2023</a:t>
+              <a:t>05/10/2023</a:t>
             </a:fld>
             <a:endParaRPr lang="es-ES"/>
           </a:p>
@@ -675,7 +684,7 @@
           <a:p>
             <a:fld id="{64F9E9AA-0954-4784-988E-0C1BD66699F2}" type="datetimeFigureOut">
               <a:rPr lang="es-ES" smtClean="0"/>
-              <a:t>02/10/2023</a:t>
+              <a:t>05/10/2023</a:t>
             </a:fld>
             <a:endParaRPr lang="es-ES"/>
           </a:p>
@@ -845,7 +854,7 @@
           <a:p>
             <a:fld id="{64F9E9AA-0954-4784-988E-0C1BD66699F2}" type="datetimeFigureOut">
               <a:rPr lang="es-ES" smtClean="0"/>
-              <a:t>02/10/2023</a:t>
+              <a:t>05/10/2023</a:t>
             </a:fld>
             <a:endParaRPr lang="es-ES"/>
           </a:p>
@@ -1025,7 +1034,7 @@
           <a:p>
             <a:fld id="{64F9E9AA-0954-4784-988E-0C1BD66699F2}" type="datetimeFigureOut">
               <a:rPr lang="es-ES" smtClean="0"/>
-              <a:t>02/10/2023</a:t>
+              <a:t>05/10/2023</a:t>
             </a:fld>
             <a:endParaRPr lang="es-ES"/>
           </a:p>
@@ -1195,7 +1204,7 @@
           <a:p>
             <a:fld id="{64F9E9AA-0954-4784-988E-0C1BD66699F2}" type="datetimeFigureOut">
               <a:rPr lang="es-ES" smtClean="0"/>
-              <a:t>02/10/2023</a:t>
+              <a:t>05/10/2023</a:t>
             </a:fld>
             <a:endParaRPr lang="es-ES"/>
           </a:p>
@@ -1441,7 +1450,7 @@
           <a:p>
             <a:fld id="{64F9E9AA-0954-4784-988E-0C1BD66699F2}" type="datetimeFigureOut">
               <a:rPr lang="es-ES" smtClean="0"/>
-              <a:t>02/10/2023</a:t>
+              <a:t>05/10/2023</a:t>
             </a:fld>
             <a:endParaRPr lang="es-ES"/>
           </a:p>
@@ -1673,7 +1682,7 @@
           <a:p>
             <a:fld id="{64F9E9AA-0954-4784-988E-0C1BD66699F2}" type="datetimeFigureOut">
               <a:rPr lang="es-ES" smtClean="0"/>
-              <a:t>02/10/2023</a:t>
+              <a:t>05/10/2023</a:t>
             </a:fld>
             <a:endParaRPr lang="es-ES"/>
           </a:p>
@@ -2040,7 +2049,7 @@
           <a:p>
             <a:fld id="{64F9E9AA-0954-4784-988E-0C1BD66699F2}" type="datetimeFigureOut">
               <a:rPr lang="es-ES" smtClean="0"/>
-              <a:t>02/10/2023</a:t>
+              <a:t>05/10/2023</a:t>
             </a:fld>
             <a:endParaRPr lang="es-ES"/>
           </a:p>
@@ -2158,7 +2167,7 @@
           <a:p>
             <a:fld id="{64F9E9AA-0954-4784-988E-0C1BD66699F2}" type="datetimeFigureOut">
               <a:rPr lang="es-ES" smtClean="0"/>
-              <a:t>02/10/2023</a:t>
+              <a:t>05/10/2023</a:t>
             </a:fld>
             <a:endParaRPr lang="es-ES"/>
           </a:p>
@@ -2253,7 +2262,7 @@
           <a:p>
             <a:fld id="{64F9E9AA-0954-4784-988E-0C1BD66699F2}" type="datetimeFigureOut">
               <a:rPr lang="es-ES" smtClean="0"/>
-              <a:t>02/10/2023</a:t>
+              <a:t>05/10/2023</a:t>
             </a:fld>
             <a:endParaRPr lang="es-ES"/>
           </a:p>
@@ -2530,7 +2539,7 @@
           <a:p>
             <a:fld id="{64F9E9AA-0954-4784-988E-0C1BD66699F2}" type="datetimeFigureOut">
               <a:rPr lang="es-ES" smtClean="0"/>
-              <a:t>02/10/2023</a:t>
+              <a:t>05/10/2023</a:t>
             </a:fld>
             <a:endParaRPr lang="es-ES"/>
           </a:p>
@@ -2783,7 +2792,7 @@
           <a:p>
             <a:fld id="{64F9E9AA-0954-4784-988E-0C1BD66699F2}" type="datetimeFigureOut">
               <a:rPr lang="es-ES" smtClean="0"/>
-              <a:t>02/10/2023</a:t>
+              <a:t>05/10/2023</a:t>
             </a:fld>
             <a:endParaRPr lang="es-ES"/>
           </a:p>
@@ -2996,7 +3005,7 @@
           <a:p>
             <a:fld id="{64F9E9AA-0954-4784-988E-0C1BD66699F2}" type="datetimeFigureOut">
               <a:rPr lang="es-ES" smtClean="0"/>
-              <a:t>02/10/2023</a:t>
+              <a:t>05/10/2023</a:t>
             </a:fld>
             <a:endParaRPr lang="es-ES"/>
           </a:p>
@@ -6729,6 +6738,2597 @@
     <p:bldLst>
       <p:bldP spid="71" grpId="0" animBg="1"/>
     </p:bldLst>
+  </p:timing>
+</p:sld>
+</file>
+
+<file path=ppt/slides/slide2.xml><?xml version="1.0" encoding="utf-8"?>
+<p:sld xmlns:a="http://schemas.openxmlformats.org/drawingml/2006/main" xmlns:r="http://schemas.openxmlformats.org/officeDocument/2006/relationships" xmlns:p="http://schemas.openxmlformats.org/presentationml/2006/main">
+  <p:cSld>
+    <p:spTree>
+      <p:nvGrpSpPr>
+        <p:cNvPr id="1" name=""/>
+        <p:cNvGrpSpPr/>
+        <p:nvPr/>
+      </p:nvGrpSpPr>
+      <p:grpSpPr>
+        <a:xfrm>
+          <a:off x="0" y="0"/>
+          <a:ext cx="0" cy="0"/>
+          <a:chOff x="0" y="0"/>
+          <a:chExt cx="0" cy="0"/>
+        </a:xfrm>
+      </p:grpSpPr>
+      <p:sp>
+        <p:nvSpPr>
+          <p:cNvPr id="7" name="Rectángulo 6"/>
+          <p:cNvSpPr/>
+          <p:nvPr/>
+        </p:nvSpPr>
+        <p:spPr>
+          <a:xfrm>
+            <a:off x="-323850" y="-123825"/>
+            <a:ext cx="12782550" cy="7134225"/>
+          </a:xfrm>
+          <a:prstGeom prst="rect">
+            <a:avLst/>
+          </a:prstGeom>
+          <a:gradFill flip="none" rotWithShape="1">
+            <a:gsLst>
+              <a:gs pos="0">
+                <a:schemeClr val="accent1">
+                  <a:lumMod val="50000"/>
+                  <a:tint val="66000"/>
+                  <a:satMod val="160000"/>
+                </a:schemeClr>
+              </a:gs>
+              <a:gs pos="50000">
+                <a:schemeClr val="accent1">
+                  <a:lumMod val="50000"/>
+                  <a:tint val="44500"/>
+                  <a:satMod val="160000"/>
+                </a:schemeClr>
+              </a:gs>
+              <a:gs pos="100000">
+                <a:schemeClr val="accent1">
+                  <a:lumMod val="50000"/>
+                  <a:tint val="23500"/>
+                  <a:satMod val="160000"/>
+                </a:schemeClr>
+              </a:gs>
+            </a:gsLst>
+            <a:lin ang="10800000" scaled="1"/>
+            <a:tileRect/>
+          </a:gradFill>
+          <a:ln>
+            <a:solidFill>
+              <a:schemeClr val="accent1">
+                <a:lumMod val="40000"/>
+                <a:lumOff val="60000"/>
+              </a:schemeClr>
+            </a:solidFill>
+          </a:ln>
+        </p:spPr>
+        <p:style>
+          <a:lnRef idx="2">
+            <a:schemeClr val="accent1">
+              <a:shade val="50000"/>
+            </a:schemeClr>
+          </a:lnRef>
+          <a:fillRef idx="1">
+            <a:schemeClr val="accent1"/>
+          </a:fillRef>
+          <a:effectRef idx="0">
+            <a:schemeClr val="accent1"/>
+          </a:effectRef>
+          <a:fontRef idx="minor">
+            <a:schemeClr val="lt1"/>
+          </a:fontRef>
+        </p:style>
+        <p:txBody>
+          <a:bodyPr rtlCol="0" anchor="ctr"/>
+          <a:lstStyle/>
+          <a:p>
+            <a:pPr algn="ctr"/>
+            <a:endParaRPr lang="es-ES"/>
+          </a:p>
+        </p:txBody>
+      </p:sp>
+      <p:sp>
+        <p:nvSpPr>
+          <p:cNvPr id="6" name="CuadroTexto 5"/>
+          <p:cNvSpPr txBox="1"/>
+          <p:nvPr/>
+        </p:nvSpPr>
+        <p:spPr>
+          <a:xfrm>
+            <a:off x="863732" y="477861"/>
+            <a:ext cx="1828193" cy="584775"/>
+          </a:xfrm>
+          <a:prstGeom prst="rect">
+            <a:avLst/>
+          </a:prstGeom>
+          <a:noFill/>
+        </p:spPr>
+        <p:txBody>
+          <a:bodyPr wrap="square" rtlCol="0">
+            <a:spAutoFit/>
+          </a:bodyPr>
+          <a:lstStyle/>
+          <a:p>
+            <a:r>
+              <a:rPr lang="es-ES" sz="3200" dirty="0" smtClean="0">
+                <a:solidFill>
+                  <a:schemeClr val="accent1">
+                    <a:lumMod val="50000"/>
+                  </a:schemeClr>
+                </a:solidFill>
+                <a:effectLst>
+                  <a:reflection blurRad="101600" stA="72000" endPos="59000" dist="60007" dir="5400000" sy="-100000" algn="bl" rotWithShape="0"/>
+                </a:effectLst>
+              </a:rPr>
+              <a:t>Módulos</a:t>
+            </a:r>
+            <a:endParaRPr lang="es-ES" sz="3200" dirty="0">
+              <a:solidFill>
+                <a:schemeClr val="accent1">
+                  <a:lumMod val="50000"/>
+                </a:schemeClr>
+              </a:solidFill>
+              <a:effectLst>
+                <a:reflection blurRad="101600" stA="72000" endPos="59000" dist="60007" dir="5400000" sy="-100000" algn="bl" rotWithShape="0"/>
+              </a:effectLst>
+            </a:endParaRPr>
+          </a:p>
+        </p:txBody>
+      </p:sp>
+      <p:grpSp>
+        <p:nvGrpSpPr>
+          <p:cNvPr id="62" name="Grupo 61"/>
+          <p:cNvGrpSpPr/>
+          <p:nvPr/>
+        </p:nvGrpSpPr>
+        <p:grpSpPr>
+          <a:xfrm>
+            <a:off x="-379681" y="316592"/>
+            <a:ext cx="13103837" cy="7385060"/>
+            <a:chOff x="-379681" y="316592"/>
+            <a:chExt cx="13103837" cy="7385060"/>
+          </a:xfrm>
+          <a:blipFill dpi="0" rotWithShape="1">
+            <a:blip r:embed="rId2">
+              <a:extLst>
+                <a:ext uri="{28A0092B-C50C-407E-A947-70E740481C1C}">
+                  <a14:useLocalDpi xmlns:a14="http://schemas.microsoft.com/office/drawing/2010/main" val="0"/>
+                </a:ext>
+              </a:extLst>
+            </a:blip>
+            <a:srcRect/>
+            <a:stretch>
+              <a:fillRect/>
+            </a:stretch>
+          </a:blipFill>
+        </p:grpSpPr>
+        <p:sp>
+          <p:nvSpPr>
+            <p:cNvPr id="24" name="Hexágono 23"/>
+            <p:cNvSpPr/>
+            <p:nvPr/>
+          </p:nvSpPr>
+          <p:spPr>
+            <a:xfrm>
+              <a:off x="4544490" y="7005647"/>
+              <a:ext cx="837486" cy="658026"/>
+            </a:xfrm>
+            <a:prstGeom prst="hexagon">
+              <a:avLst/>
+            </a:prstGeom>
+            <a:grpFill/>
+            <a:ln>
+              <a:solidFill>
+                <a:schemeClr val="tx1"/>
+              </a:solidFill>
+            </a:ln>
+          </p:spPr>
+          <p:style>
+            <a:lnRef idx="2">
+              <a:schemeClr val="accent1">
+                <a:shade val="50000"/>
+              </a:schemeClr>
+            </a:lnRef>
+            <a:fillRef idx="1">
+              <a:schemeClr val="accent1"/>
+            </a:fillRef>
+            <a:effectRef idx="0">
+              <a:schemeClr val="accent1"/>
+            </a:effectRef>
+            <a:fontRef idx="minor">
+              <a:schemeClr val="lt1"/>
+            </a:fontRef>
+          </p:style>
+          <p:txBody>
+            <a:bodyPr rtlCol="0" anchor="ctr"/>
+            <a:lstStyle/>
+            <a:p>
+              <a:pPr algn="ctr"/>
+              <a:endParaRPr lang="es-ES" u="sng"/>
+            </a:p>
+          </p:txBody>
+        </p:sp>
+        <p:sp>
+          <p:nvSpPr>
+            <p:cNvPr id="32" name="Hexágono 31"/>
+            <p:cNvSpPr/>
+            <p:nvPr/>
+          </p:nvSpPr>
+          <p:spPr>
+            <a:xfrm>
+              <a:off x="7769275" y="7043626"/>
+              <a:ext cx="837486" cy="658026"/>
+            </a:xfrm>
+            <a:prstGeom prst="hexagon">
+              <a:avLst/>
+            </a:prstGeom>
+            <a:grpFill/>
+            <a:ln>
+              <a:solidFill>
+                <a:schemeClr val="tx1"/>
+              </a:solidFill>
+            </a:ln>
+          </p:spPr>
+          <p:style>
+            <a:lnRef idx="2">
+              <a:schemeClr val="accent1">
+                <a:shade val="50000"/>
+              </a:schemeClr>
+            </a:lnRef>
+            <a:fillRef idx="1">
+              <a:schemeClr val="accent1"/>
+            </a:fillRef>
+            <a:effectRef idx="0">
+              <a:schemeClr val="accent1"/>
+            </a:effectRef>
+            <a:fontRef idx="minor">
+              <a:schemeClr val="lt1"/>
+            </a:fontRef>
+          </p:style>
+          <p:txBody>
+            <a:bodyPr rtlCol="0" anchor="ctr"/>
+            <a:lstStyle/>
+            <a:p>
+              <a:pPr algn="ctr"/>
+              <a:endParaRPr lang="es-ES" u="sng"/>
+            </a:p>
+          </p:txBody>
+        </p:sp>
+        <p:grpSp>
+          <p:nvGrpSpPr>
+            <p:cNvPr id="53" name="Grupo 52"/>
+            <p:cNvGrpSpPr/>
+            <p:nvPr/>
+          </p:nvGrpSpPr>
+          <p:grpSpPr>
+            <a:xfrm>
+              <a:off x="-379681" y="1130734"/>
+              <a:ext cx="13083242" cy="6280253"/>
+              <a:chOff x="-379681" y="1130734"/>
+              <a:chExt cx="13083242" cy="6280253"/>
+            </a:xfrm>
+            <a:grpFill/>
+          </p:grpSpPr>
+          <p:sp>
+            <p:nvSpPr>
+              <p:cNvPr id="8" name="Hexágono 7"/>
+              <p:cNvSpPr/>
+              <p:nvPr/>
+            </p:nvSpPr>
+            <p:spPr>
+              <a:xfrm>
+                <a:off x="-323850" y="5497684"/>
+                <a:ext cx="811851" cy="658026"/>
+              </a:xfrm>
+              <a:prstGeom prst="hexagon">
+                <a:avLst/>
+              </a:prstGeom>
+              <a:grpFill/>
+              <a:ln>
+                <a:solidFill>
+                  <a:schemeClr val="tx1"/>
+                </a:solidFill>
+              </a:ln>
+            </p:spPr>
+            <p:style>
+              <a:lnRef idx="2">
+                <a:schemeClr val="accent1">
+                  <a:shade val="50000"/>
+                </a:schemeClr>
+              </a:lnRef>
+              <a:fillRef idx="1">
+                <a:schemeClr val="accent1"/>
+              </a:fillRef>
+              <a:effectRef idx="0">
+                <a:schemeClr val="accent1"/>
+              </a:effectRef>
+              <a:fontRef idx="minor">
+                <a:schemeClr val="lt1"/>
+              </a:fontRef>
+            </p:style>
+            <p:txBody>
+              <a:bodyPr rtlCol="0" anchor="ctr"/>
+              <a:lstStyle/>
+              <a:p>
+                <a:pPr algn="ctr"/>
+                <a:endParaRPr lang="es-ES" u="sng"/>
+              </a:p>
+            </p:txBody>
+          </p:sp>
+          <p:sp>
+            <p:nvSpPr>
+              <p:cNvPr id="9" name="Hexágono 8"/>
+              <p:cNvSpPr/>
+              <p:nvPr/>
+            </p:nvSpPr>
+            <p:spPr>
+              <a:xfrm>
+                <a:off x="-323850" y="6260339"/>
+                <a:ext cx="811851" cy="571255"/>
+              </a:xfrm>
+              <a:prstGeom prst="hexagon">
+                <a:avLst/>
+              </a:prstGeom>
+              <a:grpFill/>
+              <a:ln>
+                <a:solidFill>
+                  <a:schemeClr val="tx1"/>
+                </a:solidFill>
+              </a:ln>
+            </p:spPr>
+            <p:style>
+              <a:lnRef idx="2">
+                <a:schemeClr val="accent1">
+                  <a:shade val="50000"/>
+                </a:schemeClr>
+              </a:lnRef>
+              <a:fillRef idx="1">
+                <a:schemeClr val="accent1"/>
+              </a:fillRef>
+              <a:effectRef idx="0">
+                <a:schemeClr val="accent1"/>
+              </a:effectRef>
+              <a:fontRef idx="minor">
+                <a:schemeClr val="lt1"/>
+              </a:fontRef>
+            </p:style>
+            <p:txBody>
+              <a:bodyPr rtlCol="0" anchor="ctr"/>
+              <a:lstStyle/>
+              <a:p>
+                <a:pPr algn="ctr"/>
+                <a:endParaRPr lang="es-ES" u="sng"/>
+              </a:p>
+            </p:txBody>
+          </p:sp>
+          <p:sp>
+            <p:nvSpPr>
+              <p:cNvPr id="11" name="Hexágono 10"/>
+              <p:cNvSpPr/>
+              <p:nvPr/>
+            </p:nvSpPr>
+            <p:spPr>
+              <a:xfrm>
+                <a:off x="457805" y="4998957"/>
+                <a:ext cx="811851" cy="658026"/>
+              </a:xfrm>
+              <a:prstGeom prst="hexagon">
+                <a:avLst/>
+              </a:prstGeom>
+              <a:grpFill/>
+              <a:ln>
+                <a:solidFill>
+                  <a:schemeClr val="tx1"/>
+                </a:solidFill>
+              </a:ln>
+            </p:spPr>
+            <p:style>
+              <a:lnRef idx="2">
+                <a:schemeClr val="accent1">
+                  <a:shade val="50000"/>
+                </a:schemeClr>
+              </a:lnRef>
+              <a:fillRef idx="1">
+                <a:schemeClr val="accent1"/>
+              </a:fillRef>
+              <a:effectRef idx="0">
+                <a:schemeClr val="accent1"/>
+              </a:effectRef>
+              <a:fontRef idx="minor">
+                <a:schemeClr val="lt1"/>
+              </a:fontRef>
+            </p:style>
+            <p:txBody>
+              <a:bodyPr rtlCol="0" anchor="ctr"/>
+              <a:lstStyle/>
+              <a:p>
+                <a:pPr algn="ctr"/>
+                <a:endParaRPr lang="es-ES" u="sng"/>
+              </a:p>
+            </p:txBody>
+          </p:sp>
+          <p:sp>
+            <p:nvSpPr>
+              <p:cNvPr id="12" name="Hexágono 11"/>
+              <p:cNvSpPr/>
+              <p:nvPr/>
+            </p:nvSpPr>
+            <p:spPr>
+              <a:xfrm>
+                <a:off x="478067" y="5796365"/>
+                <a:ext cx="811851" cy="658026"/>
+              </a:xfrm>
+              <a:prstGeom prst="hexagon">
+                <a:avLst/>
+              </a:prstGeom>
+              <a:grpFill/>
+              <a:ln>
+                <a:solidFill>
+                  <a:schemeClr val="tx1"/>
+                </a:solidFill>
+              </a:ln>
+            </p:spPr>
+            <p:style>
+              <a:lnRef idx="2">
+                <a:schemeClr val="accent1">
+                  <a:shade val="50000"/>
+                </a:schemeClr>
+              </a:lnRef>
+              <a:fillRef idx="1">
+                <a:schemeClr val="accent1"/>
+              </a:fillRef>
+              <a:effectRef idx="0">
+                <a:schemeClr val="accent1"/>
+              </a:effectRef>
+              <a:fontRef idx="minor">
+                <a:schemeClr val="lt1"/>
+              </a:fontRef>
+            </p:style>
+            <p:txBody>
+              <a:bodyPr rtlCol="0" anchor="ctr"/>
+              <a:lstStyle/>
+              <a:p>
+                <a:pPr algn="ctr"/>
+                <a:endParaRPr lang="es-ES" u="sng"/>
+              </a:p>
+            </p:txBody>
+          </p:sp>
+          <p:sp>
+            <p:nvSpPr>
+              <p:cNvPr id="13" name="Hexágono 12"/>
+              <p:cNvSpPr/>
+              <p:nvPr/>
+            </p:nvSpPr>
+            <p:spPr>
+              <a:xfrm>
+                <a:off x="457806" y="6607209"/>
+                <a:ext cx="811851" cy="658027"/>
+              </a:xfrm>
+              <a:prstGeom prst="hexagon">
+                <a:avLst/>
+              </a:prstGeom>
+              <a:grpFill/>
+              <a:ln>
+                <a:solidFill>
+                  <a:schemeClr val="tx1"/>
+                </a:solidFill>
+              </a:ln>
+            </p:spPr>
+            <p:style>
+              <a:lnRef idx="2">
+                <a:schemeClr val="accent1">
+                  <a:shade val="50000"/>
+                </a:schemeClr>
+              </a:lnRef>
+              <a:fillRef idx="1">
+                <a:schemeClr val="accent1"/>
+              </a:fillRef>
+              <a:effectRef idx="0">
+                <a:schemeClr val="accent1"/>
+              </a:effectRef>
+              <a:fontRef idx="minor">
+                <a:schemeClr val="lt1"/>
+              </a:fontRef>
+            </p:style>
+            <p:txBody>
+              <a:bodyPr rtlCol="0" anchor="ctr"/>
+              <a:lstStyle/>
+              <a:p>
+                <a:pPr algn="ctr"/>
+                <a:endParaRPr lang="es-ES" u="sng"/>
+              </a:p>
+            </p:txBody>
+          </p:sp>
+          <p:sp>
+            <p:nvSpPr>
+              <p:cNvPr id="14" name="Hexágono 13"/>
+              <p:cNvSpPr/>
+              <p:nvPr/>
+            </p:nvSpPr>
+            <p:spPr>
+              <a:xfrm>
+                <a:off x="-379681" y="4700276"/>
+                <a:ext cx="837486" cy="658026"/>
+              </a:xfrm>
+              <a:prstGeom prst="hexagon">
+                <a:avLst/>
+              </a:prstGeom>
+              <a:grpFill/>
+              <a:ln>
+                <a:solidFill>
+                  <a:schemeClr val="tx1"/>
+                </a:solidFill>
+              </a:ln>
+            </p:spPr>
+            <p:style>
+              <a:lnRef idx="2">
+                <a:schemeClr val="accent1">
+                  <a:shade val="50000"/>
+                </a:schemeClr>
+              </a:lnRef>
+              <a:fillRef idx="1">
+                <a:schemeClr val="accent1"/>
+              </a:fillRef>
+              <a:effectRef idx="0">
+                <a:schemeClr val="accent1"/>
+              </a:effectRef>
+              <a:fontRef idx="minor">
+                <a:schemeClr val="lt1"/>
+              </a:fontRef>
+            </p:style>
+            <p:txBody>
+              <a:bodyPr rtlCol="0" anchor="ctr"/>
+              <a:lstStyle/>
+              <a:p>
+                <a:pPr algn="ctr"/>
+                <a:endParaRPr lang="es-ES" u="sng"/>
+              </a:p>
+            </p:txBody>
+          </p:sp>
+          <p:sp>
+            <p:nvSpPr>
+              <p:cNvPr id="17" name="Hexágono 16"/>
+              <p:cNvSpPr/>
+              <p:nvPr/>
+            </p:nvSpPr>
+            <p:spPr>
+              <a:xfrm>
+                <a:off x="2091835" y="5826697"/>
+                <a:ext cx="837486" cy="658026"/>
+              </a:xfrm>
+              <a:prstGeom prst="hexagon">
+                <a:avLst/>
+              </a:prstGeom>
+              <a:grpFill/>
+              <a:ln>
+                <a:solidFill>
+                  <a:schemeClr val="tx1"/>
+                </a:solidFill>
+              </a:ln>
+            </p:spPr>
+            <p:style>
+              <a:lnRef idx="2">
+                <a:schemeClr val="accent1">
+                  <a:shade val="50000"/>
+                </a:schemeClr>
+              </a:lnRef>
+              <a:fillRef idx="1">
+                <a:schemeClr val="accent1"/>
+              </a:fillRef>
+              <a:effectRef idx="0">
+                <a:schemeClr val="accent1"/>
+              </a:effectRef>
+              <a:fontRef idx="minor">
+                <a:schemeClr val="lt1"/>
+              </a:fontRef>
+            </p:style>
+            <p:txBody>
+              <a:bodyPr rtlCol="0" anchor="ctr"/>
+              <a:lstStyle/>
+              <a:p>
+                <a:pPr algn="ctr"/>
+                <a:endParaRPr lang="es-ES" u="sng"/>
+              </a:p>
+            </p:txBody>
+          </p:sp>
+          <p:sp>
+            <p:nvSpPr>
+              <p:cNvPr id="18" name="Hexágono 17"/>
+              <p:cNvSpPr/>
+              <p:nvPr/>
+            </p:nvSpPr>
+            <p:spPr>
+              <a:xfrm>
+                <a:off x="1299852" y="5404347"/>
+                <a:ext cx="837486" cy="658026"/>
+              </a:xfrm>
+              <a:prstGeom prst="hexagon">
+                <a:avLst/>
+              </a:prstGeom>
+              <a:grpFill/>
+              <a:ln>
+                <a:solidFill>
+                  <a:schemeClr val="tx1"/>
+                </a:solidFill>
+              </a:ln>
+            </p:spPr>
+            <p:style>
+              <a:lnRef idx="2">
+                <a:schemeClr val="accent1">
+                  <a:shade val="50000"/>
+                </a:schemeClr>
+              </a:lnRef>
+              <a:fillRef idx="1">
+                <a:schemeClr val="accent1"/>
+              </a:fillRef>
+              <a:effectRef idx="0">
+                <a:schemeClr val="accent1"/>
+              </a:effectRef>
+              <a:fontRef idx="minor">
+                <a:schemeClr val="lt1"/>
+              </a:fontRef>
+            </p:style>
+            <p:txBody>
+              <a:bodyPr rtlCol="0" anchor="ctr"/>
+              <a:lstStyle/>
+              <a:p>
+                <a:pPr algn="ctr"/>
+                <a:endParaRPr lang="es-ES" u="sng"/>
+              </a:p>
+            </p:txBody>
+          </p:sp>
+          <p:sp>
+            <p:nvSpPr>
+              <p:cNvPr id="19" name="Hexágono 18"/>
+              <p:cNvSpPr/>
+              <p:nvPr/>
+            </p:nvSpPr>
+            <p:spPr>
+              <a:xfrm>
+                <a:off x="1247494" y="6201788"/>
+                <a:ext cx="837486" cy="658026"/>
+              </a:xfrm>
+              <a:prstGeom prst="hexagon">
+                <a:avLst/>
+              </a:prstGeom>
+              <a:grpFill/>
+              <a:ln>
+                <a:solidFill>
+                  <a:schemeClr val="tx1"/>
+                </a:solidFill>
+              </a:ln>
+            </p:spPr>
+            <p:style>
+              <a:lnRef idx="2">
+                <a:schemeClr val="accent1">
+                  <a:shade val="50000"/>
+                </a:schemeClr>
+              </a:lnRef>
+              <a:fillRef idx="1">
+                <a:schemeClr val="accent1"/>
+              </a:fillRef>
+              <a:effectRef idx="0">
+                <a:schemeClr val="accent1"/>
+              </a:effectRef>
+              <a:fontRef idx="minor">
+                <a:schemeClr val="lt1"/>
+              </a:fontRef>
+            </p:style>
+            <p:txBody>
+              <a:bodyPr rtlCol="0" anchor="ctr"/>
+              <a:lstStyle/>
+              <a:p>
+                <a:pPr algn="ctr"/>
+                <a:endParaRPr lang="es-ES" u="sng"/>
+              </a:p>
+            </p:txBody>
+          </p:sp>
+          <p:sp>
+            <p:nvSpPr>
+              <p:cNvPr id="20" name="Hexágono 19"/>
+              <p:cNvSpPr/>
+              <p:nvPr/>
+            </p:nvSpPr>
+            <p:spPr>
+              <a:xfrm>
+                <a:off x="2886897" y="6245623"/>
+                <a:ext cx="837486" cy="658026"/>
+              </a:xfrm>
+              <a:prstGeom prst="hexagon">
+                <a:avLst/>
+              </a:prstGeom>
+              <a:grpFill/>
+              <a:ln>
+                <a:solidFill>
+                  <a:schemeClr val="tx1"/>
+                </a:solidFill>
+              </a:ln>
+            </p:spPr>
+            <p:style>
+              <a:lnRef idx="2">
+                <a:schemeClr val="accent1">
+                  <a:shade val="50000"/>
+                </a:schemeClr>
+              </a:lnRef>
+              <a:fillRef idx="1">
+                <a:schemeClr val="accent1"/>
+              </a:fillRef>
+              <a:effectRef idx="0">
+                <a:schemeClr val="accent1"/>
+              </a:effectRef>
+              <a:fontRef idx="minor">
+                <a:schemeClr val="lt1"/>
+              </a:fontRef>
+            </p:style>
+            <p:txBody>
+              <a:bodyPr rtlCol="0" anchor="ctr"/>
+              <a:lstStyle/>
+              <a:p>
+                <a:pPr algn="ctr"/>
+                <a:endParaRPr lang="es-ES" u="sng"/>
+              </a:p>
+            </p:txBody>
+          </p:sp>
+          <p:sp>
+            <p:nvSpPr>
+              <p:cNvPr id="21" name="Hexágono 20"/>
+              <p:cNvSpPr/>
+              <p:nvPr/>
+            </p:nvSpPr>
+            <p:spPr>
+              <a:xfrm>
+                <a:off x="2084980" y="6574636"/>
+                <a:ext cx="837486" cy="690600"/>
+              </a:xfrm>
+              <a:prstGeom prst="hexagon">
+                <a:avLst/>
+              </a:prstGeom>
+              <a:grpFill/>
+              <a:ln>
+                <a:solidFill>
+                  <a:schemeClr val="tx1"/>
+                </a:solidFill>
+              </a:ln>
+            </p:spPr>
+            <p:style>
+              <a:lnRef idx="2">
+                <a:schemeClr val="accent1">
+                  <a:shade val="50000"/>
+                </a:schemeClr>
+              </a:lnRef>
+              <a:fillRef idx="1">
+                <a:schemeClr val="accent1"/>
+              </a:fillRef>
+              <a:effectRef idx="0">
+                <a:schemeClr val="accent1"/>
+              </a:effectRef>
+              <a:fontRef idx="minor">
+                <a:schemeClr val="lt1"/>
+              </a:fontRef>
+            </p:style>
+            <p:txBody>
+              <a:bodyPr rtlCol="0" anchor="ctr"/>
+              <a:lstStyle/>
+              <a:p>
+                <a:pPr algn="ctr"/>
+                <a:endParaRPr lang="es-ES" u="sng"/>
+              </a:p>
+            </p:txBody>
+          </p:sp>
+          <p:sp>
+            <p:nvSpPr>
+              <p:cNvPr id="22" name="Hexágono 21"/>
+              <p:cNvSpPr/>
+              <p:nvPr/>
+            </p:nvSpPr>
+            <p:spPr>
+              <a:xfrm>
+                <a:off x="3679754" y="6620873"/>
+                <a:ext cx="837486" cy="658026"/>
+              </a:xfrm>
+              <a:prstGeom prst="hexagon">
+                <a:avLst/>
+              </a:prstGeom>
+              <a:grpFill/>
+              <a:ln>
+                <a:solidFill>
+                  <a:schemeClr val="tx1"/>
+                </a:solidFill>
+              </a:ln>
+            </p:spPr>
+            <p:style>
+              <a:lnRef idx="2">
+                <a:schemeClr val="accent1">
+                  <a:shade val="50000"/>
+                </a:schemeClr>
+              </a:lnRef>
+              <a:fillRef idx="1">
+                <a:schemeClr val="accent1"/>
+              </a:fillRef>
+              <a:effectRef idx="0">
+                <a:schemeClr val="accent1"/>
+              </a:effectRef>
+              <a:fontRef idx="minor">
+                <a:schemeClr val="lt1"/>
+              </a:fontRef>
+            </p:style>
+            <p:txBody>
+              <a:bodyPr rtlCol="0" anchor="ctr"/>
+              <a:lstStyle/>
+              <a:p>
+                <a:pPr algn="ctr"/>
+                <a:endParaRPr lang="es-ES" u="sng"/>
+              </a:p>
+            </p:txBody>
+          </p:sp>
+          <p:sp>
+            <p:nvSpPr>
+              <p:cNvPr id="23" name="Hexágono 22"/>
+              <p:cNvSpPr/>
+              <p:nvPr/>
+            </p:nvSpPr>
+            <p:spPr>
+              <a:xfrm>
+                <a:off x="4526300" y="6278196"/>
+                <a:ext cx="837486" cy="658026"/>
+              </a:xfrm>
+              <a:prstGeom prst="hexagon">
+                <a:avLst/>
+              </a:prstGeom>
+              <a:grpFill/>
+              <a:ln>
+                <a:solidFill>
+                  <a:schemeClr val="tx1"/>
+                </a:solidFill>
+              </a:ln>
+            </p:spPr>
+            <p:style>
+              <a:lnRef idx="2">
+                <a:schemeClr val="accent1">
+                  <a:shade val="50000"/>
+                </a:schemeClr>
+              </a:lnRef>
+              <a:fillRef idx="1">
+                <a:schemeClr val="accent1"/>
+              </a:fillRef>
+              <a:effectRef idx="0">
+                <a:schemeClr val="accent1"/>
+              </a:effectRef>
+              <a:fontRef idx="minor">
+                <a:schemeClr val="lt1"/>
+              </a:fontRef>
+            </p:style>
+            <p:txBody>
+              <a:bodyPr rtlCol="0" anchor="ctr"/>
+              <a:lstStyle/>
+              <a:p>
+                <a:pPr algn="ctr"/>
+                <a:endParaRPr lang="es-ES" u="sng"/>
+              </a:p>
+            </p:txBody>
+          </p:sp>
+          <p:sp>
+            <p:nvSpPr>
+              <p:cNvPr id="25" name="Hexágono 24"/>
+              <p:cNvSpPr/>
+              <p:nvPr/>
+            </p:nvSpPr>
+            <p:spPr>
+              <a:xfrm>
+                <a:off x="6125420" y="6285922"/>
+                <a:ext cx="837486" cy="658026"/>
+              </a:xfrm>
+              <a:prstGeom prst="hexagon">
+                <a:avLst/>
+              </a:prstGeom>
+              <a:grpFill/>
+              <a:ln>
+                <a:solidFill>
+                  <a:schemeClr val="tx1"/>
+                </a:solidFill>
+              </a:ln>
+            </p:spPr>
+            <p:style>
+              <a:lnRef idx="2">
+                <a:schemeClr val="accent1">
+                  <a:shade val="50000"/>
+                </a:schemeClr>
+              </a:lnRef>
+              <a:fillRef idx="1">
+                <a:schemeClr val="accent1"/>
+              </a:fillRef>
+              <a:effectRef idx="0">
+                <a:schemeClr val="accent1"/>
+              </a:effectRef>
+              <a:fontRef idx="minor">
+                <a:schemeClr val="lt1"/>
+              </a:fontRef>
+            </p:style>
+            <p:txBody>
+              <a:bodyPr rtlCol="0" anchor="ctr"/>
+              <a:lstStyle/>
+              <a:p>
+                <a:pPr algn="ctr"/>
+                <a:endParaRPr lang="es-ES" u="sng"/>
+              </a:p>
+            </p:txBody>
+          </p:sp>
+          <p:sp>
+            <p:nvSpPr>
+              <p:cNvPr id="26" name="Hexágono 25"/>
+              <p:cNvSpPr/>
+              <p:nvPr/>
+            </p:nvSpPr>
+            <p:spPr>
+              <a:xfrm>
+                <a:off x="5381976" y="5838156"/>
+                <a:ext cx="837486" cy="658026"/>
+              </a:xfrm>
+              <a:prstGeom prst="hexagon">
+                <a:avLst/>
+              </a:prstGeom>
+              <a:grpFill/>
+              <a:ln>
+                <a:solidFill>
+                  <a:schemeClr val="tx1"/>
+                </a:solidFill>
+              </a:ln>
+            </p:spPr>
+            <p:style>
+              <a:lnRef idx="2">
+                <a:schemeClr val="accent1">
+                  <a:shade val="50000"/>
+                </a:schemeClr>
+              </a:lnRef>
+              <a:fillRef idx="1">
+                <a:schemeClr val="accent1"/>
+              </a:fillRef>
+              <a:effectRef idx="0">
+                <a:schemeClr val="accent1"/>
+              </a:effectRef>
+              <a:fontRef idx="minor">
+                <a:schemeClr val="lt1"/>
+              </a:fontRef>
+            </p:style>
+            <p:txBody>
+              <a:bodyPr rtlCol="0" anchor="ctr"/>
+              <a:lstStyle/>
+              <a:p>
+                <a:pPr algn="ctr"/>
+                <a:endParaRPr lang="es-ES" u="sng"/>
+              </a:p>
+            </p:txBody>
+          </p:sp>
+          <p:sp>
+            <p:nvSpPr>
+              <p:cNvPr id="27" name="Hexágono 26"/>
+              <p:cNvSpPr/>
+              <p:nvPr/>
+            </p:nvSpPr>
+            <p:spPr>
+              <a:xfrm>
+                <a:off x="5363786" y="6635170"/>
+                <a:ext cx="837486" cy="658026"/>
+              </a:xfrm>
+              <a:prstGeom prst="hexagon">
+                <a:avLst/>
+              </a:prstGeom>
+              <a:grpFill/>
+              <a:ln>
+                <a:solidFill>
+                  <a:schemeClr val="tx1"/>
+                </a:solidFill>
+              </a:ln>
+            </p:spPr>
+            <p:style>
+              <a:lnRef idx="2">
+                <a:schemeClr val="accent1">
+                  <a:shade val="50000"/>
+                </a:schemeClr>
+              </a:lnRef>
+              <a:fillRef idx="1">
+                <a:schemeClr val="accent1"/>
+              </a:fillRef>
+              <a:effectRef idx="0">
+                <a:schemeClr val="accent1"/>
+              </a:effectRef>
+              <a:fontRef idx="minor">
+                <a:schemeClr val="lt1"/>
+              </a:fontRef>
+            </p:style>
+            <p:txBody>
+              <a:bodyPr rtlCol="0" anchor="ctr"/>
+              <a:lstStyle/>
+              <a:p>
+                <a:pPr algn="ctr"/>
+                <a:endParaRPr lang="es-ES" u="sng"/>
+              </a:p>
+            </p:txBody>
+          </p:sp>
+          <p:sp>
+            <p:nvSpPr>
+              <p:cNvPr id="28" name="Hexágono 27"/>
+              <p:cNvSpPr/>
+              <p:nvPr/>
+            </p:nvSpPr>
+            <p:spPr>
+              <a:xfrm>
+                <a:off x="11811383" y="5110089"/>
+                <a:ext cx="837486" cy="658026"/>
+              </a:xfrm>
+              <a:prstGeom prst="hexagon">
+                <a:avLst/>
+              </a:prstGeom>
+              <a:grpFill/>
+              <a:ln>
+                <a:solidFill>
+                  <a:schemeClr val="tx1"/>
+                </a:solidFill>
+              </a:ln>
+            </p:spPr>
+            <p:style>
+              <a:lnRef idx="2">
+                <a:schemeClr val="accent1">
+                  <a:shade val="50000"/>
+                </a:schemeClr>
+              </a:lnRef>
+              <a:fillRef idx="1">
+                <a:schemeClr val="accent1"/>
+              </a:fillRef>
+              <a:effectRef idx="0">
+                <a:schemeClr val="accent1"/>
+              </a:effectRef>
+              <a:fontRef idx="minor">
+                <a:schemeClr val="lt1"/>
+              </a:fontRef>
+            </p:style>
+            <p:txBody>
+              <a:bodyPr rtlCol="0" anchor="ctr"/>
+              <a:lstStyle/>
+              <a:p>
+                <a:pPr algn="ctr"/>
+                <a:endParaRPr lang="es-ES" u="sng"/>
+              </a:p>
+            </p:txBody>
+          </p:sp>
+          <p:sp>
+            <p:nvSpPr>
+              <p:cNvPr id="29" name="Hexágono 28"/>
+              <p:cNvSpPr/>
+              <p:nvPr/>
+            </p:nvSpPr>
+            <p:spPr>
+              <a:xfrm>
+                <a:off x="8565739" y="5826697"/>
+                <a:ext cx="837486" cy="658026"/>
+              </a:xfrm>
+              <a:prstGeom prst="hexagon">
+                <a:avLst/>
+              </a:prstGeom>
+              <a:grpFill/>
+              <a:ln>
+                <a:solidFill>
+                  <a:schemeClr val="tx1"/>
+                </a:solidFill>
+              </a:ln>
+            </p:spPr>
+            <p:style>
+              <a:lnRef idx="2">
+                <a:schemeClr val="accent1">
+                  <a:shade val="50000"/>
+                </a:schemeClr>
+              </a:lnRef>
+              <a:fillRef idx="1">
+                <a:schemeClr val="accent1"/>
+              </a:fillRef>
+              <a:effectRef idx="0">
+                <a:schemeClr val="accent1"/>
+              </a:effectRef>
+              <a:fontRef idx="minor">
+                <a:schemeClr val="lt1"/>
+              </a:fontRef>
+            </p:style>
+            <p:txBody>
+              <a:bodyPr rtlCol="0" anchor="ctr"/>
+              <a:lstStyle/>
+              <a:p>
+                <a:pPr algn="ctr"/>
+                <a:endParaRPr lang="es-ES" u="sng"/>
+              </a:p>
+            </p:txBody>
+          </p:sp>
+          <p:sp>
+            <p:nvSpPr>
+              <p:cNvPr id="30" name="Hexágono 29"/>
+              <p:cNvSpPr/>
+              <p:nvPr/>
+            </p:nvSpPr>
+            <p:spPr>
+              <a:xfrm>
+                <a:off x="8569309" y="6648161"/>
+                <a:ext cx="837486" cy="658026"/>
+              </a:xfrm>
+              <a:prstGeom prst="hexagon">
+                <a:avLst/>
+              </a:prstGeom>
+              <a:grpFill/>
+              <a:ln>
+                <a:solidFill>
+                  <a:schemeClr val="tx1"/>
+                </a:solidFill>
+              </a:ln>
+            </p:spPr>
+            <p:style>
+              <a:lnRef idx="2">
+                <a:schemeClr val="accent1">
+                  <a:shade val="50000"/>
+                </a:schemeClr>
+              </a:lnRef>
+              <a:fillRef idx="1">
+                <a:schemeClr val="accent1"/>
+              </a:fillRef>
+              <a:effectRef idx="0">
+                <a:schemeClr val="accent1"/>
+              </a:effectRef>
+              <a:fontRef idx="minor">
+                <a:schemeClr val="lt1"/>
+              </a:fontRef>
+            </p:style>
+            <p:txBody>
+              <a:bodyPr rtlCol="0" anchor="ctr"/>
+              <a:lstStyle/>
+              <a:p>
+                <a:pPr algn="ctr"/>
+                <a:endParaRPr lang="es-ES" u="sng"/>
+              </a:p>
+            </p:txBody>
+          </p:sp>
+          <p:sp>
+            <p:nvSpPr>
+              <p:cNvPr id="31" name="Hexágono 30"/>
+              <p:cNvSpPr/>
+              <p:nvPr/>
+            </p:nvSpPr>
+            <p:spPr>
+              <a:xfrm>
+                <a:off x="7747685" y="6221094"/>
+                <a:ext cx="837486" cy="658026"/>
+              </a:xfrm>
+              <a:prstGeom prst="hexagon">
+                <a:avLst/>
+              </a:prstGeom>
+              <a:grpFill/>
+              <a:ln>
+                <a:solidFill>
+                  <a:schemeClr val="tx1"/>
+                </a:solidFill>
+              </a:ln>
+            </p:spPr>
+            <p:style>
+              <a:lnRef idx="2">
+                <a:schemeClr val="accent1">
+                  <a:shade val="50000"/>
+                </a:schemeClr>
+              </a:lnRef>
+              <a:fillRef idx="1">
+                <a:schemeClr val="accent1"/>
+              </a:fillRef>
+              <a:effectRef idx="0">
+                <a:schemeClr val="accent1"/>
+              </a:effectRef>
+              <a:fontRef idx="minor">
+                <a:schemeClr val="lt1"/>
+              </a:fontRef>
+            </p:style>
+            <p:txBody>
+              <a:bodyPr rtlCol="0" anchor="ctr"/>
+              <a:lstStyle/>
+              <a:p>
+                <a:pPr algn="ctr"/>
+                <a:endParaRPr lang="es-ES" u="sng"/>
+              </a:p>
+            </p:txBody>
+          </p:sp>
+          <p:sp>
+            <p:nvSpPr>
+              <p:cNvPr id="33" name="Hexágono 32"/>
+              <p:cNvSpPr/>
+              <p:nvPr/>
+            </p:nvSpPr>
+            <p:spPr>
+              <a:xfrm>
+                <a:off x="6931789" y="6648161"/>
+                <a:ext cx="837486" cy="658026"/>
+              </a:xfrm>
+              <a:prstGeom prst="hexagon">
+                <a:avLst/>
+              </a:prstGeom>
+              <a:grpFill/>
+              <a:ln>
+                <a:solidFill>
+                  <a:schemeClr val="tx1"/>
+                </a:solidFill>
+              </a:ln>
+            </p:spPr>
+            <p:style>
+              <a:lnRef idx="2">
+                <a:schemeClr val="accent1">
+                  <a:shade val="50000"/>
+                </a:schemeClr>
+              </a:lnRef>
+              <a:fillRef idx="1">
+                <a:schemeClr val="accent1"/>
+              </a:fillRef>
+              <a:effectRef idx="0">
+                <a:schemeClr val="accent1"/>
+              </a:effectRef>
+              <a:fontRef idx="minor">
+                <a:schemeClr val="lt1"/>
+              </a:fontRef>
+            </p:style>
+            <p:txBody>
+              <a:bodyPr rtlCol="0" anchor="ctr"/>
+              <a:lstStyle/>
+              <a:p>
+                <a:pPr algn="ctr"/>
+                <a:endParaRPr lang="es-ES" u="sng"/>
+              </a:p>
+            </p:txBody>
+          </p:sp>
+          <p:sp>
+            <p:nvSpPr>
+              <p:cNvPr id="34" name="Hexágono 33"/>
+              <p:cNvSpPr/>
+              <p:nvPr/>
+            </p:nvSpPr>
+            <p:spPr>
+              <a:xfrm>
+                <a:off x="10182415" y="6711007"/>
+                <a:ext cx="837486" cy="658026"/>
+              </a:xfrm>
+              <a:prstGeom prst="hexagon">
+                <a:avLst/>
+              </a:prstGeom>
+              <a:grpFill/>
+              <a:ln>
+                <a:solidFill>
+                  <a:schemeClr val="tx1"/>
+                </a:solidFill>
+              </a:ln>
+            </p:spPr>
+            <p:style>
+              <a:lnRef idx="2">
+                <a:schemeClr val="accent1">
+                  <a:shade val="50000"/>
+                </a:schemeClr>
+              </a:lnRef>
+              <a:fillRef idx="1">
+                <a:schemeClr val="accent1"/>
+              </a:fillRef>
+              <a:effectRef idx="0">
+                <a:schemeClr val="accent1"/>
+              </a:effectRef>
+              <a:fontRef idx="minor">
+                <a:schemeClr val="lt1"/>
+              </a:fontRef>
+            </p:style>
+            <p:txBody>
+              <a:bodyPr rtlCol="0" anchor="ctr"/>
+              <a:lstStyle/>
+              <a:p>
+                <a:pPr algn="ctr"/>
+                <a:endParaRPr lang="es-ES" u="sng"/>
+              </a:p>
+            </p:txBody>
+          </p:sp>
+          <p:sp>
+            <p:nvSpPr>
+              <p:cNvPr id="35" name="Hexágono 34"/>
+              <p:cNvSpPr/>
+              <p:nvPr/>
+            </p:nvSpPr>
+            <p:spPr>
+              <a:xfrm>
+                <a:off x="10182415" y="5138339"/>
+                <a:ext cx="837486" cy="658026"/>
+              </a:xfrm>
+              <a:prstGeom prst="hexagon">
+                <a:avLst/>
+              </a:prstGeom>
+              <a:grpFill/>
+              <a:ln>
+                <a:solidFill>
+                  <a:schemeClr val="tx1"/>
+                </a:solidFill>
+              </a:ln>
+            </p:spPr>
+            <p:style>
+              <a:lnRef idx="2">
+                <a:schemeClr val="accent1">
+                  <a:shade val="50000"/>
+                </a:schemeClr>
+              </a:lnRef>
+              <a:fillRef idx="1">
+                <a:schemeClr val="accent1"/>
+              </a:fillRef>
+              <a:effectRef idx="0">
+                <a:schemeClr val="accent1"/>
+              </a:effectRef>
+              <a:fontRef idx="minor">
+                <a:schemeClr val="lt1"/>
+              </a:fontRef>
+            </p:style>
+            <p:txBody>
+              <a:bodyPr rtlCol="0" anchor="ctr"/>
+              <a:lstStyle/>
+              <a:p>
+                <a:pPr algn="ctr"/>
+                <a:endParaRPr lang="es-ES" u="sng"/>
+              </a:p>
+            </p:txBody>
+          </p:sp>
+          <p:sp>
+            <p:nvSpPr>
+              <p:cNvPr id="36" name="Hexágono 35"/>
+              <p:cNvSpPr/>
+              <p:nvPr/>
+            </p:nvSpPr>
+            <p:spPr>
+              <a:xfrm>
+                <a:off x="10182415" y="5902152"/>
+                <a:ext cx="837486" cy="658026"/>
+              </a:xfrm>
+              <a:prstGeom prst="hexagon">
+                <a:avLst/>
+              </a:prstGeom>
+              <a:grpFill/>
+              <a:ln>
+                <a:solidFill>
+                  <a:schemeClr val="tx1"/>
+                </a:solidFill>
+              </a:ln>
+            </p:spPr>
+            <p:style>
+              <a:lnRef idx="2">
+                <a:schemeClr val="accent1">
+                  <a:shade val="50000"/>
+                </a:schemeClr>
+              </a:lnRef>
+              <a:fillRef idx="1">
+                <a:schemeClr val="accent1"/>
+              </a:fillRef>
+              <a:effectRef idx="0">
+                <a:schemeClr val="accent1"/>
+              </a:effectRef>
+              <a:fontRef idx="minor">
+                <a:schemeClr val="lt1"/>
+              </a:fontRef>
+            </p:style>
+            <p:txBody>
+              <a:bodyPr rtlCol="0" anchor="ctr"/>
+              <a:lstStyle/>
+              <a:p>
+                <a:pPr algn="ctr"/>
+                <a:endParaRPr lang="es-ES" u="sng"/>
+              </a:p>
+            </p:txBody>
+          </p:sp>
+          <p:sp>
+            <p:nvSpPr>
+              <p:cNvPr id="37" name="Hexágono 36"/>
+              <p:cNvSpPr/>
+              <p:nvPr/>
+            </p:nvSpPr>
+            <p:spPr>
+              <a:xfrm>
+                <a:off x="9383793" y="5496972"/>
+                <a:ext cx="837486" cy="658026"/>
+              </a:xfrm>
+              <a:prstGeom prst="hexagon">
+                <a:avLst/>
+              </a:prstGeom>
+              <a:grpFill/>
+              <a:ln>
+                <a:solidFill>
+                  <a:schemeClr val="tx1"/>
+                </a:solidFill>
+              </a:ln>
+            </p:spPr>
+            <p:style>
+              <a:lnRef idx="2">
+                <a:schemeClr val="accent1">
+                  <a:shade val="50000"/>
+                </a:schemeClr>
+              </a:lnRef>
+              <a:fillRef idx="1">
+                <a:schemeClr val="accent1"/>
+              </a:fillRef>
+              <a:effectRef idx="0">
+                <a:schemeClr val="accent1"/>
+              </a:effectRef>
+              <a:fontRef idx="minor">
+                <a:schemeClr val="lt1"/>
+              </a:fontRef>
+            </p:style>
+            <p:txBody>
+              <a:bodyPr rtlCol="0" anchor="ctr"/>
+              <a:lstStyle/>
+              <a:p>
+                <a:pPr algn="ctr"/>
+                <a:endParaRPr lang="es-ES" u="sng"/>
+              </a:p>
+            </p:txBody>
+          </p:sp>
+          <p:sp>
+            <p:nvSpPr>
+              <p:cNvPr id="38" name="Hexágono 37"/>
+              <p:cNvSpPr/>
+              <p:nvPr/>
+            </p:nvSpPr>
+            <p:spPr>
+              <a:xfrm>
+                <a:off x="9383793" y="6274816"/>
+                <a:ext cx="837486" cy="658026"/>
+              </a:xfrm>
+              <a:prstGeom prst="hexagon">
+                <a:avLst/>
+              </a:prstGeom>
+              <a:grpFill/>
+              <a:ln>
+                <a:solidFill>
+                  <a:schemeClr val="tx1"/>
+                </a:solidFill>
+              </a:ln>
+            </p:spPr>
+            <p:style>
+              <a:lnRef idx="2">
+                <a:schemeClr val="accent1">
+                  <a:shade val="50000"/>
+                </a:schemeClr>
+              </a:lnRef>
+              <a:fillRef idx="1">
+                <a:schemeClr val="accent1"/>
+              </a:fillRef>
+              <a:effectRef idx="0">
+                <a:schemeClr val="accent1"/>
+              </a:effectRef>
+              <a:fontRef idx="minor">
+                <a:schemeClr val="lt1"/>
+              </a:fontRef>
+            </p:style>
+            <p:txBody>
+              <a:bodyPr rtlCol="0" anchor="ctr"/>
+              <a:lstStyle/>
+              <a:p>
+                <a:pPr algn="ctr"/>
+                <a:endParaRPr lang="es-ES" u="sng"/>
+              </a:p>
+            </p:txBody>
+          </p:sp>
+          <p:sp>
+            <p:nvSpPr>
+              <p:cNvPr id="39" name="Hexágono 38"/>
+              <p:cNvSpPr/>
+              <p:nvPr/>
+            </p:nvSpPr>
+            <p:spPr>
+              <a:xfrm>
+                <a:off x="11833789" y="6752961"/>
+                <a:ext cx="837486" cy="658026"/>
+              </a:xfrm>
+              <a:prstGeom prst="hexagon">
+                <a:avLst/>
+              </a:prstGeom>
+              <a:grpFill/>
+              <a:ln>
+                <a:solidFill>
+                  <a:schemeClr val="tx1"/>
+                </a:solidFill>
+              </a:ln>
+            </p:spPr>
+            <p:style>
+              <a:lnRef idx="2">
+                <a:schemeClr val="accent1">
+                  <a:shade val="50000"/>
+                </a:schemeClr>
+              </a:lnRef>
+              <a:fillRef idx="1">
+                <a:schemeClr val="accent1"/>
+              </a:fillRef>
+              <a:effectRef idx="0">
+                <a:schemeClr val="accent1"/>
+              </a:effectRef>
+              <a:fontRef idx="minor">
+                <a:schemeClr val="lt1"/>
+              </a:fontRef>
+            </p:style>
+            <p:txBody>
+              <a:bodyPr rtlCol="0" anchor="ctr"/>
+              <a:lstStyle/>
+              <a:p>
+                <a:pPr algn="ctr"/>
+                <a:endParaRPr lang="es-ES" u="sng"/>
+              </a:p>
+            </p:txBody>
+          </p:sp>
+          <p:sp>
+            <p:nvSpPr>
+              <p:cNvPr id="40" name="Hexágono 39"/>
+              <p:cNvSpPr/>
+              <p:nvPr/>
+            </p:nvSpPr>
+            <p:spPr>
+              <a:xfrm>
+                <a:off x="11818258" y="5911263"/>
+                <a:ext cx="837486" cy="658026"/>
+              </a:xfrm>
+              <a:prstGeom prst="hexagon">
+                <a:avLst/>
+              </a:prstGeom>
+              <a:grpFill/>
+              <a:ln>
+                <a:solidFill>
+                  <a:schemeClr val="tx1"/>
+                </a:solidFill>
+              </a:ln>
+            </p:spPr>
+            <p:style>
+              <a:lnRef idx="2">
+                <a:schemeClr val="accent1">
+                  <a:shade val="50000"/>
+                </a:schemeClr>
+              </a:lnRef>
+              <a:fillRef idx="1">
+                <a:schemeClr val="accent1"/>
+              </a:fillRef>
+              <a:effectRef idx="0">
+                <a:schemeClr val="accent1"/>
+              </a:effectRef>
+              <a:fontRef idx="minor">
+                <a:schemeClr val="lt1"/>
+              </a:fontRef>
+            </p:style>
+            <p:txBody>
+              <a:bodyPr rtlCol="0" anchor="ctr"/>
+              <a:lstStyle/>
+              <a:p>
+                <a:pPr algn="ctr"/>
+                <a:endParaRPr lang="es-ES" u="sng"/>
+              </a:p>
+            </p:txBody>
+          </p:sp>
+          <p:sp>
+            <p:nvSpPr>
+              <p:cNvPr id="41" name="Hexágono 40"/>
+              <p:cNvSpPr/>
+              <p:nvPr/>
+            </p:nvSpPr>
+            <p:spPr>
+              <a:xfrm>
+                <a:off x="10996899" y="4723627"/>
+                <a:ext cx="837486" cy="658026"/>
+              </a:xfrm>
+              <a:prstGeom prst="hexagon">
+                <a:avLst/>
+              </a:prstGeom>
+              <a:grpFill/>
+              <a:ln>
+                <a:solidFill>
+                  <a:schemeClr val="tx1"/>
+                </a:solidFill>
+              </a:ln>
+            </p:spPr>
+            <p:style>
+              <a:lnRef idx="2">
+                <a:schemeClr val="accent1">
+                  <a:shade val="50000"/>
+                </a:schemeClr>
+              </a:lnRef>
+              <a:fillRef idx="1">
+                <a:schemeClr val="accent1"/>
+              </a:fillRef>
+              <a:effectRef idx="0">
+                <a:schemeClr val="accent1"/>
+              </a:effectRef>
+              <a:fontRef idx="minor">
+                <a:schemeClr val="lt1"/>
+              </a:fontRef>
+            </p:style>
+            <p:txBody>
+              <a:bodyPr rtlCol="0" anchor="ctr"/>
+              <a:lstStyle/>
+              <a:p>
+                <a:pPr algn="ctr"/>
+                <a:endParaRPr lang="es-ES" u="sng"/>
+              </a:p>
+            </p:txBody>
+          </p:sp>
+          <p:sp>
+            <p:nvSpPr>
+              <p:cNvPr id="42" name="Hexágono 41"/>
+              <p:cNvSpPr/>
+              <p:nvPr/>
+            </p:nvSpPr>
+            <p:spPr>
+              <a:xfrm>
+                <a:off x="10981037" y="5524801"/>
+                <a:ext cx="837486" cy="658026"/>
+              </a:xfrm>
+              <a:prstGeom prst="hexagon">
+                <a:avLst/>
+              </a:prstGeom>
+              <a:grpFill/>
+              <a:ln>
+                <a:solidFill>
+                  <a:schemeClr val="tx1"/>
+                </a:solidFill>
+              </a:ln>
+            </p:spPr>
+            <p:style>
+              <a:lnRef idx="2">
+                <a:schemeClr val="accent1">
+                  <a:shade val="50000"/>
+                </a:schemeClr>
+              </a:lnRef>
+              <a:fillRef idx="1">
+                <a:schemeClr val="accent1"/>
+              </a:fillRef>
+              <a:effectRef idx="0">
+                <a:schemeClr val="accent1"/>
+              </a:effectRef>
+              <a:fontRef idx="minor">
+                <a:schemeClr val="lt1"/>
+              </a:fontRef>
+            </p:style>
+            <p:txBody>
+              <a:bodyPr rtlCol="0" anchor="ctr"/>
+              <a:lstStyle/>
+              <a:p>
+                <a:pPr algn="ctr"/>
+                <a:endParaRPr lang="es-ES" u="sng"/>
+              </a:p>
+            </p:txBody>
+          </p:sp>
+          <p:sp>
+            <p:nvSpPr>
+              <p:cNvPr id="43" name="Hexágono 42"/>
+              <p:cNvSpPr/>
+              <p:nvPr/>
+            </p:nvSpPr>
+            <p:spPr>
+              <a:xfrm>
+                <a:off x="10996899" y="6308944"/>
+                <a:ext cx="837486" cy="658026"/>
+              </a:xfrm>
+              <a:prstGeom prst="hexagon">
+                <a:avLst/>
+              </a:prstGeom>
+              <a:grpFill/>
+              <a:ln>
+                <a:solidFill>
+                  <a:schemeClr val="tx1"/>
+                </a:solidFill>
+              </a:ln>
+            </p:spPr>
+            <p:style>
+              <a:lnRef idx="2">
+                <a:schemeClr val="accent1">
+                  <a:shade val="50000"/>
+                </a:schemeClr>
+              </a:lnRef>
+              <a:fillRef idx="1">
+                <a:schemeClr val="accent1"/>
+              </a:fillRef>
+              <a:effectRef idx="0">
+                <a:schemeClr val="accent1"/>
+              </a:effectRef>
+              <a:fontRef idx="minor">
+                <a:schemeClr val="lt1"/>
+              </a:fontRef>
+            </p:style>
+            <p:txBody>
+              <a:bodyPr rtlCol="0" anchor="ctr"/>
+              <a:lstStyle/>
+              <a:p>
+                <a:pPr algn="ctr"/>
+                <a:endParaRPr lang="es-ES" u="sng"/>
+              </a:p>
+            </p:txBody>
+          </p:sp>
+          <p:sp>
+            <p:nvSpPr>
+              <p:cNvPr id="44" name="Hexágono 43"/>
+              <p:cNvSpPr/>
+              <p:nvPr/>
+            </p:nvSpPr>
+            <p:spPr>
+              <a:xfrm>
+                <a:off x="11862364" y="3507383"/>
+                <a:ext cx="837486" cy="658026"/>
+              </a:xfrm>
+              <a:prstGeom prst="hexagon">
+                <a:avLst/>
+              </a:prstGeom>
+              <a:grpFill/>
+              <a:ln>
+                <a:solidFill>
+                  <a:schemeClr val="tx1"/>
+                </a:solidFill>
+              </a:ln>
+            </p:spPr>
+            <p:style>
+              <a:lnRef idx="2">
+                <a:schemeClr val="accent1">
+                  <a:shade val="50000"/>
+                </a:schemeClr>
+              </a:lnRef>
+              <a:fillRef idx="1">
+                <a:schemeClr val="accent1"/>
+              </a:fillRef>
+              <a:effectRef idx="0">
+                <a:schemeClr val="accent1"/>
+              </a:effectRef>
+              <a:fontRef idx="minor">
+                <a:schemeClr val="lt1"/>
+              </a:fontRef>
+            </p:style>
+            <p:txBody>
+              <a:bodyPr rtlCol="0" anchor="ctr"/>
+              <a:lstStyle/>
+              <a:p>
+                <a:pPr algn="ctr"/>
+                <a:endParaRPr lang="es-ES" u="sng"/>
+              </a:p>
+            </p:txBody>
+          </p:sp>
+          <p:sp>
+            <p:nvSpPr>
+              <p:cNvPr id="45" name="Hexágono 44"/>
+              <p:cNvSpPr/>
+              <p:nvPr/>
+            </p:nvSpPr>
+            <p:spPr>
+              <a:xfrm>
+                <a:off x="11818258" y="4308676"/>
+                <a:ext cx="837486" cy="658026"/>
+              </a:xfrm>
+              <a:prstGeom prst="hexagon">
+                <a:avLst/>
+              </a:prstGeom>
+              <a:grpFill/>
+              <a:ln>
+                <a:solidFill>
+                  <a:schemeClr val="tx1"/>
+                </a:solidFill>
+              </a:ln>
+            </p:spPr>
+            <p:style>
+              <a:lnRef idx="2">
+                <a:schemeClr val="accent1">
+                  <a:shade val="50000"/>
+                </a:schemeClr>
+              </a:lnRef>
+              <a:fillRef idx="1">
+                <a:schemeClr val="accent1"/>
+              </a:fillRef>
+              <a:effectRef idx="0">
+                <a:schemeClr val="accent1"/>
+              </a:effectRef>
+              <a:fontRef idx="minor">
+                <a:schemeClr val="lt1"/>
+              </a:fontRef>
+            </p:style>
+            <p:txBody>
+              <a:bodyPr rtlCol="0" anchor="ctr"/>
+              <a:lstStyle/>
+              <a:p>
+                <a:pPr algn="ctr"/>
+                <a:endParaRPr lang="es-ES" u="sng"/>
+              </a:p>
+            </p:txBody>
+          </p:sp>
+          <p:sp>
+            <p:nvSpPr>
+              <p:cNvPr id="46" name="Hexágono 45"/>
+              <p:cNvSpPr/>
+              <p:nvPr/>
+            </p:nvSpPr>
+            <p:spPr>
+              <a:xfrm>
+                <a:off x="10973897" y="3120801"/>
+                <a:ext cx="837486" cy="658026"/>
+              </a:xfrm>
+              <a:prstGeom prst="hexagon">
+                <a:avLst/>
+              </a:prstGeom>
+              <a:grpFill/>
+              <a:ln>
+                <a:solidFill>
+                  <a:schemeClr val="tx1"/>
+                </a:solidFill>
+              </a:ln>
+            </p:spPr>
+            <p:style>
+              <a:lnRef idx="2">
+                <a:schemeClr val="accent1">
+                  <a:shade val="50000"/>
+                </a:schemeClr>
+              </a:lnRef>
+              <a:fillRef idx="1">
+                <a:schemeClr val="accent1"/>
+              </a:fillRef>
+              <a:effectRef idx="0">
+                <a:schemeClr val="accent1"/>
+              </a:effectRef>
+              <a:fontRef idx="minor">
+                <a:schemeClr val="lt1"/>
+              </a:fontRef>
+            </p:style>
+            <p:txBody>
+              <a:bodyPr rtlCol="0" anchor="ctr"/>
+              <a:lstStyle/>
+              <a:p>
+                <a:pPr algn="ctr"/>
+                <a:endParaRPr lang="es-ES" u="sng"/>
+              </a:p>
+            </p:txBody>
+          </p:sp>
+          <p:sp>
+            <p:nvSpPr>
+              <p:cNvPr id="47" name="Hexágono 46"/>
+              <p:cNvSpPr/>
+              <p:nvPr/>
+            </p:nvSpPr>
+            <p:spPr>
+              <a:xfrm>
+                <a:off x="10996303" y="3922214"/>
+                <a:ext cx="837486" cy="658026"/>
+              </a:xfrm>
+              <a:prstGeom prst="hexagon">
+                <a:avLst/>
+              </a:prstGeom>
+              <a:grpFill/>
+              <a:ln>
+                <a:solidFill>
+                  <a:schemeClr val="tx1"/>
+                </a:solidFill>
+              </a:ln>
+            </p:spPr>
+            <p:style>
+              <a:lnRef idx="2">
+                <a:schemeClr val="accent1">
+                  <a:shade val="50000"/>
+                </a:schemeClr>
+              </a:lnRef>
+              <a:fillRef idx="1">
+                <a:schemeClr val="accent1"/>
+              </a:fillRef>
+              <a:effectRef idx="0">
+                <a:schemeClr val="accent1"/>
+              </a:effectRef>
+              <a:fontRef idx="minor">
+                <a:schemeClr val="lt1"/>
+              </a:fontRef>
+            </p:style>
+            <p:txBody>
+              <a:bodyPr rtlCol="0" anchor="ctr"/>
+              <a:lstStyle/>
+              <a:p>
+                <a:pPr algn="ctr"/>
+                <a:endParaRPr lang="es-ES" u="sng"/>
+              </a:p>
+            </p:txBody>
+          </p:sp>
+          <p:sp>
+            <p:nvSpPr>
+              <p:cNvPr id="48" name="Hexágono 47"/>
+              <p:cNvSpPr/>
+              <p:nvPr/>
+            </p:nvSpPr>
+            <p:spPr>
+              <a:xfrm>
+                <a:off x="11862364" y="2711316"/>
+                <a:ext cx="837486" cy="658026"/>
+              </a:xfrm>
+              <a:prstGeom prst="hexagon">
+                <a:avLst/>
+              </a:prstGeom>
+              <a:grpFill/>
+              <a:ln>
+                <a:solidFill>
+                  <a:schemeClr val="tx1"/>
+                </a:solidFill>
+              </a:ln>
+            </p:spPr>
+            <p:style>
+              <a:lnRef idx="2">
+                <a:schemeClr val="accent1">
+                  <a:shade val="50000"/>
+                </a:schemeClr>
+              </a:lnRef>
+              <a:fillRef idx="1">
+                <a:schemeClr val="accent1"/>
+              </a:fillRef>
+              <a:effectRef idx="0">
+                <a:schemeClr val="accent1"/>
+              </a:effectRef>
+              <a:fontRef idx="minor">
+                <a:schemeClr val="lt1"/>
+              </a:fontRef>
+            </p:style>
+            <p:txBody>
+              <a:bodyPr rtlCol="0" anchor="ctr"/>
+              <a:lstStyle/>
+              <a:p>
+                <a:pPr algn="ctr"/>
+                <a:endParaRPr lang="es-ES" u="sng"/>
+              </a:p>
+            </p:txBody>
+          </p:sp>
+          <p:sp>
+            <p:nvSpPr>
+              <p:cNvPr id="49" name="Hexágono 48"/>
+              <p:cNvSpPr/>
+              <p:nvPr/>
+            </p:nvSpPr>
+            <p:spPr>
+              <a:xfrm>
+                <a:off x="11862364" y="1130734"/>
+                <a:ext cx="837486" cy="658026"/>
+              </a:xfrm>
+              <a:prstGeom prst="hexagon">
+                <a:avLst/>
+              </a:prstGeom>
+              <a:grpFill/>
+              <a:ln>
+                <a:solidFill>
+                  <a:schemeClr val="tx1"/>
+                </a:solidFill>
+              </a:ln>
+            </p:spPr>
+            <p:style>
+              <a:lnRef idx="2">
+                <a:schemeClr val="accent1">
+                  <a:shade val="50000"/>
+                </a:schemeClr>
+              </a:lnRef>
+              <a:fillRef idx="1">
+                <a:schemeClr val="accent1"/>
+              </a:fillRef>
+              <a:effectRef idx="0">
+                <a:schemeClr val="accent1"/>
+              </a:effectRef>
+              <a:fontRef idx="minor">
+                <a:schemeClr val="lt1"/>
+              </a:fontRef>
+            </p:style>
+            <p:txBody>
+              <a:bodyPr rtlCol="0" anchor="ctr"/>
+              <a:lstStyle/>
+              <a:p>
+                <a:pPr algn="ctr"/>
+                <a:endParaRPr lang="es-ES" u="sng"/>
+              </a:p>
+            </p:txBody>
+          </p:sp>
+          <p:sp>
+            <p:nvSpPr>
+              <p:cNvPr id="50" name="Hexágono 49"/>
+              <p:cNvSpPr/>
+              <p:nvPr/>
+            </p:nvSpPr>
+            <p:spPr>
+              <a:xfrm>
+                <a:off x="10182415" y="4321045"/>
+                <a:ext cx="837486" cy="658026"/>
+              </a:xfrm>
+              <a:prstGeom prst="hexagon">
+                <a:avLst/>
+              </a:prstGeom>
+              <a:grpFill/>
+              <a:ln>
+                <a:solidFill>
+                  <a:schemeClr val="tx1"/>
+                </a:solidFill>
+              </a:ln>
+            </p:spPr>
+            <p:style>
+              <a:lnRef idx="2">
+                <a:schemeClr val="accent1">
+                  <a:shade val="50000"/>
+                </a:schemeClr>
+              </a:lnRef>
+              <a:fillRef idx="1">
+                <a:schemeClr val="accent1"/>
+              </a:fillRef>
+              <a:effectRef idx="0">
+                <a:schemeClr val="accent1"/>
+              </a:effectRef>
+              <a:fontRef idx="minor">
+                <a:schemeClr val="lt1"/>
+              </a:fontRef>
+            </p:style>
+            <p:txBody>
+              <a:bodyPr rtlCol="0" anchor="ctr"/>
+              <a:lstStyle/>
+              <a:p>
+                <a:pPr algn="ctr"/>
+                <a:endParaRPr lang="es-ES" u="sng"/>
+              </a:p>
+            </p:txBody>
+          </p:sp>
+          <p:sp>
+            <p:nvSpPr>
+              <p:cNvPr id="51" name="Hexágono 50"/>
+              <p:cNvSpPr/>
+              <p:nvPr/>
+            </p:nvSpPr>
+            <p:spPr>
+              <a:xfrm>
+                <a:off x="11015902" y="2298275"/>
+                <a:ext cx="837486" cy="658026"/>
+              </a:xfrm>
+              <a:prstGeom prst="hexagon">
+                <a:avLst/>
+              </a:prstGeom>
+              <a:grpFill/>
+              <a:ln>
+                <a:solidFill>
+                  <a:schemeClr val="tx1"/>
+                </a:solidFill>
+              </a:ln>
+            </p:spPr>
+            <p:style>
+              <a:lnRef idx="2">
+                <a:schemeClr val="accent1">
+                  <a:shade val="50000"/>
+                </a:schemeClr>
+              </a:lnRef>
+              <a:fillRef idx="1">
+                <a:schemeClr val="accent1"/>
+              </a:fillRef>
+              <a:effectRef idx="0">
+                <a:schemeClr val="accent1"/>
+              </a:effectRef>
+              <a:fontRef idx="minor">
+                <a:schemeClr val="lt1"/>
+              </a:fontRef>
+            </p:style>
+            <p:txBody>
+              <a:bodyPr rtlCol="0" anchor="ctr"/>
+              <a:lstStyle/>
+              <a:p>
+                <a:pPr algn="ctr"/>
+                <a:endParaRPr lang="es-ES" u="sng"/>
+              </a:p>
+            </p:txBody>
+          </p:sp>
+          <p:sp>
+            <p:nvSpPr>
+              <p:cNvPr id="52" name="Hexágono 51"/>
+              <p:cNvSpPr/>
+              <p:nvPr/>
+            </p:nvSpPr>
+            <p:spPr>
+              <a:xfrm>
+                <a:off x="11866075" y="1930852"/>
+                <a:ext cx="837486" cy="658026"/>
+              </a:xfrm>
+              <a:prstGeom prst="hexagon">
+                <a:avLst/>
+              </a:prstGeom>
+              <a:grpFill/>
+              <a:ln>
+                <a:solidFill>
+                  <a:schemeClr val="tx1"/>
+                </a:solidFill>
+              </a:ln>
+            </p:spPr>
+            <p:style>
+              <a:lnRef idx="2">
+                <a:schemeClr val="accent1">
+                  <a:shade val="50000"/>
+                </a:schemeClr>
+              </a:lnRef>
+              <a:fillRef idx="1">
+                <a:schemeClr val="accent1"/>
+              </a:fillRef>
+              <a:effectRef idx="0">
+                <a:schemeClr val="accent1"/>
+              </a:effectRef>
+              <a:fontRef idx="minor">
+                <a:schemeClr val="lt1"/>
+              </a:fontRef>
+            </p:style>
+            <p:txBody>
+              <a:bodyPr rtlCol="0" anchor="ctr"/>
+              <a:lstStyle/>
+              <a:p>
+                <a:pPr algn="ctr"/>
+                <a:endParaRPr lang="es-ES" u="sng"/>
+              </a:p>
+            </p:txBody>
+          </p:sp>
+        </p:grpSp>
+        <p:sp>
+          <p:nvSpPr>
+            <p:cNvPr id="56" name="Hexágono 55"/>
+            <p:cNvSpPr/>
+            <p:nvPr/>
+          </p:nvSpPr>
+          <p:spPr>
+            <a:xfrm>
+              <a:off x="10211698" y="2612472"/>
+              <a:ext cx="837486" cy="658026"/>
+            </a:xfrm>
+            <a:prstGeom prst="hexagon">
+              <a:avLst/>
+            </a:prstGeom>
+            <a:grpFill/>
+            <a:ln>
+              <a:solidFill>
+                <a:schemeClr val="tx1"/>
+              </a:solidFill>
+            </a:ln>
+          </p:spPr>
+          <p:style>
+            <a:lnRef idx="2">
+              <a:schemeClr val="accent1">
+                <a:shade val="50000"/>
+              </a:schemeClr>
+            </a:lnRef>
+            <a:fillRef idx="1">
+              <a:schemeClr val="accent1"/>
+            </a:fillRef>
+            <a:effectRef idx="0">
+              <a:schemeClr val="accent1"/>
+            </a:effectRef>
+            <a:fontRef idx="minor">
+              <a:schemeClr val="lt1"/>
+            </a:fontRef>
+          </p:style>
+          <p:txBody>
+            <a:bodyPr rtlCol="0" anchor="ctr"/>
+            <a:lstStyle/>
+            <a:p>
+              <a:pPr algn="ctr"/>
+              <a:endParaRPr lang="es-ES" u="sng"/>
+            </a:p>
+          </p:txBody>
+        </p:sp>
+        <p:sp>
+          <p:nvSpPr>
+            <p:cNvPr id="57" name="Hexágono 56"/>
+            <p:cNvSpPr/>
+            <p:nvPr/>
+          </p:nvSpPr>
+          <p:spPr>
+            <a:xfrm>
+              <a:off x="9378026" y="4669944"/>
+              <a:ext cx="837486" cy="658026"/>
+            </a:xfrm>
+            <a:prstGeom prst="hexagon">
+              <a:avLst/>
+            </a:prstGeom>
+            <a:grpFill/>
+            <a:ln>
+              <a:solidFill>
+                <a:schemeClr val="tx1"/>
+              </a:solidFill>
+            </a:ln>
+          </p:spPr>
+          <p:style>
+            <a:lnRef idx="2">
+              <a:schemeClr val="accent1">
+                <a:shade val="50000"/>
+              </a:schemeClr>
+            </a:lnRef>
+            <a:fillRef idx="1">
+              <a:schemeClr val="accent1"/>
+            </a:fillRef>
+            <a:effectRef idx="0">
+              <a:schemeClr val="accent1"/>
+            </a:effectRef>
+            <a:fontRef idx="minor">
+              <a:schemeClr val="lt1"/>
+            </a:fontRef>
+          </p:style>
+          <p:txBody>
+            <a:bodyPr rtlCol="0" anchor="ctr"/>
+            <a:lstStyle/>
+            <a:p>
+              <a:pPr algn="ctr"/>
+              <a:endParaRPr lang="es-ES" u="sng"/>
+            </a:p>
+          </p:txBody>
+        </p:sp>
+        <p:sp>
+          <p:nvSpPr>
+            <p:cNvPr id="58" name="Hexágono 57"/>
+            <p:cNvSpPr/>
+            <p:nvPr/>
+          </p:nvSpPr>
+          <p:spPr>
+            <a:xfrm>
+              <a:off x="10203010" y="3489825"/>
+              <a:ext cx="837486" cy="658026"/>
+            </a:xfrm>
+            <a:prstGeom prst="hexagon">
+              <a:avLst/>
+            </a:prstGeom>
+            <a:grpFill/>
+            <a:ln>
+              <a:solidFill>
+                <a:schemeClr val="tx1"/>
+              </a:solidFill>
+            </a:ln>
+          </p:spPr>
+          <p:style>
+            <a:lnRef idx="2">
+              <a:schemeClr val="accent1">
+                <a:shade val="50000"/>
+              </a:schemeClr>
+            </a:lnRef>
+            <a:fillRef idx="1">
+              <a:schemeClr val="accent1"/>
+            </a:fillRef>
+            <a:effectRef idx="0">
+              <a:schemeClr val="accent1"/>
+            </a:effectRef>
+            <a:fontRef idx="minor">
+              <a:schemeClr val="lt1"/>
+            </a:fontRef>
+          </p:style>
+          <p:txBody>
+            <a:bodyPr rtlCol="0" anchor="ctr"/>
+            <a:lstStyle/>
+            <a:p>
+              <a:pPr algn="ctr"/>
+              <a:endParaRPr lang="es-ES" u="sng"/>
+            </a:p>
+          </p:txBody>
+        </p:sp>
+        <p:sp>
+          <p:nvSpPr>
+            <p:cNvPr id="59" name="Hexágono 58"/>
+            <p:cNvSpPr/>
+            <p:nvPr/>
+          </p:nvSpPr>
+          <p:spPr>
+            <a:xfrm>
+              <a:off x="11886670" y="316592"/>
+              <a:ext cx="837486" cy="658026"/>
+            </a:xfrm>
+            <a:prstGeom prst="hexagon">
+              <a:avLst/>
+            </a:prstGeom>
+            <a:grpFill/>
+            <a:ln>
+              <a:solidFill>
+                <a:schemeClr val="tx1"/>
+              </a:solidFill>
+            </a:ln>
+          </p:spPr>
+          <p:style>
+            <a:lnRef idx="2">
+              <a:schemeClr val="accent1">
+                <a:shade val="50000"/>
+              </a:schemeClr>
+            </a:lnRef>
+            <a:fillRef idx="1">
+              <a:schemeClr val="accent1"/>
+            </a:fillRef>
+            <a:effectRef idx="0">
+              <a:schemeClr val="accent1"/>
+            </a:effectRef>
+            <a:fontRef idx="minor">
+              <a:schemeClr val="lt1"/>
+            </a:fontRef>
+          </p:style>
+          <p:txBody>
+            <a:bodyPr rtlCol="0" anchor="ctr"/>
+            <a:lstStyle/>
+            <a:p>
+              <a:pPr algn="ctr"/>
+              <a:endParaRPr lang="es-ES" u="sng"/>
+            </a:p>
+          </p:txBody>
+        </p:sp>
+        <p:sp>
+          <p:nvSpPr>
+            <p:cNvPr id="60" name="Hexágono 59"/>
+            <p:cNvSpPr/>
+            <p:nvPr/>
+          </p:nvSpPr>
+          <p:spPr>
+            <a:xfrm>
+              <a:off x="11049184" y="1496862"/>
+              <a:ext cx="837486" cy="658026"/>
+            </a:xfrm>
+            <a:prstGeom prst="hexagon">
+              <a:avLst/>
+            </a:prstGeom>
+            <a:grpFill/>
+            <a:ln>
+              <a:solidFill>
+                <a:schemeClr val="tx1"/>
+              </a:solidFill>
+            </a:ln>
+          </p:spPr>
+          <p:style>
+            <a:lnRef idx="2">
+              <a:schemeClr val="accent1">
+                <a:shade val="50000"/>
+              </a:schemeClr>
+            </a:lnRef>
+            <a:fillRef idx="1">
+              <a:schemeClr val="accent1"/>
+            </a:fillRef>
+            <a:effectRef idx="0">
+              <a:schemeClr val="accent1"/>
+            </a:effectRef>
+            <a:fontRef idx="minor">
+              <a:schemeClr val="lt1"/>
+            </a:fontRef>
+          </p:style>
+          <p:txBody>
+            <a:bodyPr rtlCol="0" anchor="ctr"/>
+            <a:lstStyle/>
+            <a:p>
+              <a:pPr algn="ctr"/>
+              <a:endParaRPr lang="es-ES" u="sng"/>
+            </a:p>
+          </p:txBody>
+        </p:sp>
+      </p:grpSp>
+    </p:spTree>
+    <p:extLst>
+      <p:ext uri="{BB962C8B-B14F-4D97-AF65-F5344CB8AC3E}">
+        <p14:creationId xmlns:p14="http://schemas.microsoft.com/office/powerpoint/2010/main" val="3408634029"/>
+      </p:ext>
+    </p:extLst>
+  </p:cSld>
+  <p:clrMapOvr>
+    <a:masterClrMapping/>
+  </p:clrMapOvr>
+  <p:timing>
+    <p:tnLst>
+      <p:par>
+        <p:cTn id="1" dur="indefinite" restart="never" nodeType="tmRoot"/>
+      </p:par>
+    </p:tnLst>
+  </p:timing>
+</p:sld>
+</file>
+
+<file path=ppt/slides/slide3.xml><?xml version="1.0" encoding="utf-8"?>
+<p:sld xmlns:a="http://schemas.openxmlformats.org/drawingml/2006/main" xmlns:r="http://schemas.openxmlformats.org/officeDocument/2006/relationships" xmlns:p="http://schemas.openxmlformats.org/presentationml/2006/main">
+  <p:cSld>
+    <p:spTree>
+      <p:nvGrpSpPr>
+        <p:cNvPr id="1" name=""/>
+        <p:cNvGrpSpPr/>
+        <p:nvPr/>
+      </p:nvGrpSpPr>
+      <p:grpSpPr>
+        <a:xfrm>
+          <a:off x="0" y="0"/>
+          <a:ext cx="0" cy="0"/>
+          <a:chOff x="0" y="0"/>
+          <a:chExt cx="0" cy="0"/>
+        </a:xfrm>
+      </p:grpSpPr>
+      <p:sp>
+        <p:nvSpPr>
+          <p:cNvPr id="2" name="Título 1"/>
+          <p:cNvSpPr>
+            <a:spLocks noGrp="1"/>
+          </p:cNvSpPr>
+          <p:nvPr>
+            <p:ph type="title"/>
+          </p:nvPr>
+        </p:nvSpPr>
+        <p:spPr/>
+        <p:txBody>
+          <a:bodyPr/>
+          <a:lstStyle/>
+          <a:p>
+            <a:endParaRPr lang="es-ES"/>
+          </a:p>
+        </p:txBody>
+      </p:sp>
+      <p:sp>
+        <p:nvSpPr>
+          <p:cNvPr id="3" name="Marcador de contenido 2"/>
+          <p:cNvSpPr>
+            <a:spLocks noGrp="1"/>
+          </p:cNvSpPr>
+          <p:nvPr>
+            <p:ph idx="1"/>
+          </p:nvPr>
+        </p:nvSpPr>
+        <p:spPr/>
+        <p:txBody>
+          <a:bodyPr/>
+          <a:lstStyle/>
+          <a:p>
+            <a:endParaRPr lang="es-ES"/>
+          </a:p>
+        </p:txBody>
+      </p:sp>
+    </p:spTree>
+    <p:extLst>
+      <p:ext uri="{BB962C8B-B14F-4D97-AF65-F5344CB8AC3E}">
+        <p14:creationId xmlns:p14="http://schemas.microsoft.com/office/powerpoint/2010/main" val="1195693426"/>
+      </p:ext>
+    </p:extLst>
+  </p:cSld>
+  <p:clrMapOvr>
+    <a:masterClrMapping/>
+  </p:clrMapOvr>
+  <p:timing>
+    <p:tnLst>
+      <p:par>
+        <p:cTn id="1" dur="indefinite" restart="never" nodeType="tmRoot"/>
+      </p:par>
+    </p:tnLst>
+  </p:timing>
+</p:sld>
+</file>
+
+<file path=ppt/slides/slide4.xml><?xml version="1.0" encoding="utf-8"?>
+<p:sld xmlns:a="http://schemas.openxmlformats.org/drawingml/2006/main" xmlns:r="http://schemas.openxmlformats.org/officeDocument/2006/relationships" xmlns:p="http://schemas.openxmlformats.org/presentationml/2006/main">
+  <p:cSld>
+    <p:spTree>
+      <p:nvGrpSpPr>
+        <p:cNvPr id="1" name=""/>
+        <p:cNvGrpSpPr/>
+        <p:nvPr/>
+      </p:nvGrpSpPr>
+      <p:grpSpPr>
+        <a:xfrm>
+          <a:off x="0" y="0"/>
+          <a:ext cx="0" cy="0"/>
+          <a:chOff x="0" y="0"/>
+          <a:chExt cx="0" cy="0"/>
+        </a:xfrm>
+      </p:grpSpPr>
+      <p:sp>
+        <p:nvSpPr>
+          <p:cNvPr id="2" name="Título 1"/>
+          <p:cNvSpPr>
+            <a:spLocks noGrp="1"/>
+          </p:cNvSpPr>
+          <p:nvPr>
+            <p:ph type="title"/>
+          </p:nvPr>
+        </p:nvSpPr>
+        <p:spPr/>
+        <p:txBody>
+          <a:bodyPr/>
+          <a:lstStyle/>
+          <a:p>
+            <a:endParaRPr lang="es-ES"/>
+          </a:p>
+        </p:txBody>
+      </p:sp>
+      <p:sp>
+        <p:nvSpPr>
+          <p:cNvPr id="3" name="Marcador de contenido 2"/>
+          <p:cNvSpPr>
+            <a:spLocks noGrp="1"/>
+          </p:cNvSpPr>
+          <p:nvPr>
+            <p:ph idx="1"/>
+          </p:nvPr>
+        </p:nvSpPr>
+        <p:spPr/>
+        <p:txBody>
+          <a:bodyPr/>
+          <a:lstStyle/>
+          <a:p>
+            <a:endParaRPr lang="es-ES"/>
+          </a:p>
+        </p:txBody>
+      </p:sp>
+    </p:spTree>
+    <p:extLst>
+      <p:ext uri="{BB962C8B-B14F-4D97-AF65-F5344CB8AC3E}">
+        <p14:creationId xmlns:p14="http://schemas.microsoft.com/office/powerpoint/2010/main" val="3398532285"/>
+      </p:ext>
+    </p:extLst>
+  </p:cSld>
+  <p:clrMapOvr>
+    <a:masterClrMapping/>
+  </p:clrMapOvr>
+  <p:timing>
+    <p:tnLst>
+      <p:par>
+        <p:cTn id="1" dur="indefinite" restart="never" nodeType="tmRoot"/>
+      </p:par>
+    </p:tnLst>
+  </p:timing>
+</p:sld>
+</file>
+
+<file path=ppt/slides/slide5.xml><?xml version="1.0" encoding="utf-8"?>
+<p:sld xmlns:a="http://schemas.openxmlformats.org/drawingml/2006/main" xmlns:r="http://schemas.openxmlformats.org/officeDocument/2006/relationships" xmlns:p="http://schemas.openxmlformats.org/presentationml/2006/main">
+  <p:cSld>
+    <p:spTree>
+      <p:nvGrpSpPr>
+        <p:cNvPr id="1" name=""/>
+        <p:cNvGrpSpPr/>
+        <p:nvPr/>
+      </p:nvGrpSpPr>
+      <p:grpSpPr>
+        <a:xfrm>
+          <a:off x="0" y="0"/>
+          <a:ext cx="0" cy="0"/>
+          <a:chOff x="0" y="0"/>
+          <a:chExt cx="0" cy="0"/>
+        </a:xfrm>
+      </p:grpSpPr>
+      <p:sp>
+        <p:nvSpPr>
+          <p:cNvPr id="2" name="Título 1"/>
+          <p:cNvSpPr>
+            <a:spLocks noGrp="1"/>
+          </p:cNvSpPr>
+          <p:nvPr>
+            <p:ph type="title"/>
+          </p:nvPr>
+        </p:nvSpPr>
+        <p:spPr/>
+        <p:txBody>
+          <a:bodyPr/>
+          <a:lstStyle/>
+          <a:p>
+            <a:endParaRPr lang="es-ES"/>
+          </a:p>
+        </p:txBody>
+      </p:sp>
+      <p:sp>
+        <p:nvSpPr>
+          <p:cNvPr id="3" name="Marcador de contenido 2"/>
+          <p:cNvSpPr>
+            <a:spLocks noGrp="1"/>
+          </p:cNvSpPr>
+          <p:nvPr>
+            <p:ph idx="1"/>
+          </p:nvPr>
+        </p:nvSpPr>
+        <p:spPr/>
+        <p:txBody>
+          <a:bodyPr/>
+          <a:lstStyle/>
+          <a:p>
+            <a:endParaRPr lang="es-ES"/>
+          </a:p>
+        </p:txBody>
+      </p:sp>
+    </p:spTree>
+    <p:extLst>
+      <p:ext uri="{BB962C8B-B14F-4D97-AF65-F5344CB8AC3E}">
+        <p14:creationId xmlns:p14="http://schemas.microsoft.com/office/powerpoint/2010/main" val="4116917077"/>
+      </p:ext>
+    </p:extLst>
+  </p:cSld>
+  <p:clrMapOvr>
+    <a:masterClrMapping/>
+  </p:clrMapOvr>
+  <p:timing>
+    <p:tnLst>
+      <p:par>
+        <p:cTn id="1" dur="indefinite" restart="never" nodeType="tmRoot"/>
+      </p:par>
+    </p:tnLst>
   </p:timing>
 </p:sld>
 </file>
